--- a/jdocs/Comp/Chapter0_Roadmap.pptx
+++ b/jdocs/Comp/Chapter0_Roadmap.pptx
@@ -5662,16 +5662,7 @@
                 </a:solidFill>
                 <a:latin typeface="Calibri"/>
               </a:rPr>
-              <a:t>431</a:t>
-            </a:r>
-            <a:r>
-              <a:rPr lang="en-US" sz="4400" dirty="0" smtClean="0">
-                <a:solidFill>
-                  <a:srgbClr val="FFFFFF"/>
-                </a:solidFill>
-                <a:latin typeface="Calibri"/>
-              </a:rPr>
-              <a:t> </a:t>
+              <a:t>431 </a:t>
             </a:r>
             <a:r>
               <a:rPr lang="en-US" sz="4400" dirty="0">
@@ -5694,7 +5685,7 @@
         </p:nvSpPr>
         <p:spPr>
           <a:xfrm>
-            <a:off x="85198" y="1519692"/>
+            <a:off x="85198" y="1447800"/>
             <a:ext cx="2742840" cy="1142880"/>
           </a:xfrm>
           <a:prstGeom prst="rect">
@@ -5746,8 +5737,23 @@
                 </a:solidFill>
                 <a:latin typeface="Calibri"/>
               </a:rPr>
-              <a:t>Chapter 1-2:</a:t>
-            </a:r>
+              <a:t>Chapter </a:t>
+            </a:r>
+            <a:r>
+              <a:rPr lang="en-US" sz="1200" dirty="0" smtClean="0">
+                <a:solidFill>
+                  <a:srgbClr val="000000"/>
+                </a:solidFill>
+                <a:latin typeface="Calibri"/>
+              </a:rPr>
+              <a:t>1-3:</a:t>
+            </a:r>
+            <a:endParaRPr lang="en-US" sz="1200" dirty="0" smtClean="0">
+              <a:solidFill>
+                <a:srgbClr val="000000"/>
+              </a:solidFill>
+              <a:latin typeface="Calibri"/>
+            </a:endParaRPr>
           </a:p>
           <a:p>
             <a:pPr marL="171450" indent="-171450">
@@ -5826,7 +5832,7 @@
         </p:nvSpPr>
         <p:spPr>
           <a:xfrm>
-            <a:off x="81850" y="4451409"/>
+            <a:off x="81850" y="4313113"/>
             <a:ext cx="2742840" cy="1061231"/>
           </a:xfrm>
           <a:prstGeom prst="rect">
@@ -5881,24 +5887,7 @@
                   <a:srgbClr val="000000"/>
                 </a:solidFill>
               </a:rPr>
-              <a:t>Chapter 5:</a:t>
-            </a:r>
-          </a:p>
-          <a:p>
-            <a:pPr marL="171450" indent="-171450">
-              <a:lnSpc>
-                <a:spcPct val="100000"/>
-              </a:lnSpc>
-              <a:buFont typeface="Arial" panose="020B0604020202020204" pitchFamily="34" charset="0"/>
-              <a:buChar char="•"/>
-            </a:pPr>
-            <a:r>
-              <a:rPr lang="en-US" sz="1200" dirty="0" err="1" smtClean="0">
-                <a:solidFill>
-                  <a:srgbClr val="000000"/>
-                </a:solidFill>
-              </a:rPr>
-              <a:t>Numpy</a:t>
+              <a:t>Chapter </a:t>
             </a:r>
             <a:r>
               <a:rPr lang="en-US" sz="1200" dirty="0" smtClean="0">
@@ -5906,7 +5895,7 @@
                   <a:srgbClr val="000000"/>
                 </a:solidFill>
               </a:rPr>
-              <a:t> library</a:t>
+              <a:t>6:</a:t>
             </a:r>
             <a:endParaRPr lang="en-US" sz="1200" dirty="0" smtClean="0">
               <a:solidFill>
@@ -5915,6 +5904,31 @@
             </a:endParaRPr>
           </a:p>
           <a:p>
+            <a:pPr marL="171450" indent="-171450">
+              <a:lnSpc>
+                <a:spcPct val="100000"/>
+              </a:lnSpc>
+              <a:buFont typeface="Arial" panose="020B0604020202020204" pitchFamily="34" charset="0"/>
+              <a:buChar char="•"/>
+            </a:pPr>
+            <a:r>
+              <a:rPr lang="en-US" sz="1200" dirty="0" err="1" smtClean="0">
+                <a:solidFill>
+                  <a:srgbClr val="000000"/>
+                </a:solidFill>
+              </a:rPr>
+              <a:t>Numpy</a:t>
+            </a:r>
+            <a:r>
+              <a:rPr lang="en-US" sz="1200" dirty="0" smtClean="0">
+                <a:solidFill>
+                  <a:srgbClr val="000000"/>
+                </a:solidFill>
+              </a:rPr>
+              <a:t> library</a:t>
+            </a:r>
+          </a:p>
+          <a:p>
             <a:pPr indent="-171450">
               <a:buFont typeface="Arial"/>
               <a:buChar char="•"/>
@@ -5943,12 +5957,6 @@
               </a:rPr>
               <a:t>Looping through vectors and matrices</a:t>
             </a:r>
-            <a:endParaRPr lang="en-US" sz="1200" dirty="0" smtClean="0">
-              <a:solidFill>
-                <a:srgbClr val="000000"/>
-              </a:solidFill>
-              <a:latin typeface="Calibri"/>
-            </a:endParaRPr>
           </a:p>
           <a:p>
             <a:endParaRPr lang="en-US" dirty="0"/>
@@ -5963,7 +5971,7 @@
         </p:nvSpPr>
         <p:spPr>
           <a:xfrm>
-            <a:off x="81850" y="3733800"/>
+            <a:off x="81850" y="3620076"/>
             <a:ext cx="2742840" cy="662796"/>
           </a:xfrm>
           <a:prstGeom prst="rect">
@@ -6023,13 +6031,22 @@
               <a:t>Chapter </a:t>
             </a:r>
             <a:r>
+              <a:rPr lang="en-US" sz="1400" dirty="0">
+                <a:solidFill>
+                  <a:srgbClr val="000000"/>
+                </a:solidFill>
+                <a:latin typeface="Calibri"/>
+              </a:rPr>
+              <a:t>5</a:t>
+            </a:r>
+            <a:r>
               <a:rPr lang="en-US" sz="1400" dirty="0" smtClean="0">
                 <a:solidFill>
                   <a:srgbClr val="000000"/>
                 </a:solidFill>
                 <a:latin typeface="Calibri"/>
               </a:rPr>
-              <a:t>4:</a:t>
+              <a:t>:</a:t>
             </a:r>
             <a:endParaRPr lang="en-US" sz="1400" dirty="0" smtClean="0">
               <a:solidFill>
@@ -6058,7 +6075,7 @@
         </p:nvSpPr>
         <p:spPr>
           <a:xfrm>
-            <a:off x="81850" y="2699148"/>
+            <a:off x="81850" y="2627256"/>
             <a:ext cx="2742840" cy="958452"/>
           </a:xfrm>
           <a:prstGeom prst="rect">
@@ -6124,7 +6141,7 @@
                 </a:solidFill>
                 <a:latin typeface="Calibri"/>
               </a:rPr>
-              <a:t>3:</a:t>
+              <a:t>4:</a:t>
             </a:r>
             <a:endParaRPr dirty="0"/>
           </a:p>
@@ -6230,7 +6247,7 @@
         </p:nvSpPr>
         <p:spPr>
           <a:xfrm>
-            <a:off x="3042252" y="3229454"/>
+            <a:off x="3042252" y="3080280"/>
             <a:ext cx="2895120" cy="1092792"/>
           </a:xfrm>
           <a:prstGeom prst="rect">
@@ -6296,7 +6313,16 @@
                 </a:solidFill>
                 <a:latin typeface="Calibri"/>
               </a:rPr>
-              <a:t>9-10:</a:t>
+              <a:t>10</a:t>
+            </a:r>
+            <a:r>
+              <a:rPr lang="en-US" sz="1200" dirty="0" smtClean="0">
+                <a:solidFill>
+                  <a:srgbClr val="000000"/>
+                </a:solidFill>
+                <a:latin typeface="Calibri"/>
+              </a:rPr>
+              <a:t>-11:</a:t>
             </a:r>
             <a:endParaRPr lang="en-US" sz="1200" dirty="0" smtClean="0">
               <a:solidFill>
@@ -6385,7 +6411,7 @@
         </p:nvSpPr>
         <p:spPr>
           <a:xfrm>
-            <a:off x="3036384" y="2298920"/>
+            <a:off x="3036384" y="2150618"/>
             <a:ext cx="2895120" cy="879454"/>
           </a:xfrm>
           <a:prstGeom prst="rect">
@@ -6445,13 +6471,22 @@
               <a:t>Chapter </a:t>
             </a:r>
             <a:r>
+              <a:rPr lang="en-US" sz="1200" dirty="0">
+                <a:solidFill>
+                  <a:srgbClr val="000000"/>
+                </a:solidFill>
+                <a:latin typeface="Calibri"/>
+              </a:rPr>
+              <a:t>9</a:t>
+            </a:r>
+            <a:r>
               <a:rPr lang="en-US" sz="1200" dirty="0" smtClean="0">
                 <a:solidFill>
                   <a:srgbClr val="000000"/>
                 </a:solidFill>
                 <a:latin typeface="Calibri"/>
               </a:rPr>
-              <a:t>8:</a:t>
+              <a:t>:</a:t>
             </a:r>
             <a:endParaRPr lang="en-US" sz="1200" dirty="0" smtClean="0">
               <a:solidFill>
@@ -6477,12 +6512,6 @@
               </a:rPr>
               <a:t>Class definitions</a:t>
             </a:r>
-            <a:endParaRPr lang="en-US" sz="1200" dirty="0" smtClean="0">
-              <a:solidFill>
-                <a:srgbClr val="000000"/>
-              </a:solidFill>
-              <a:latin typeface="Calibri"/>
-            </a:endParaRPr>
           </a:p>
           <a:p>
             <a:pPr marL="171450" indent="-171450">
@@ -6501,12 +6530,6 @@
               </a:rPr>
               <a:t>Methods vs attributes</a:t>
             </a:r>
-            <a:endParaRPr lang="en-US" sz="1200" dirty="0" smtClean="0">
-              <a:solidFill>
-                <a:srgbClr val="000000"/>
-              </a:solidFill>
-              <a:latin typeface="Calibri"/>
-            </a:endParaRPr>
           </a:p>
         </p:txBody>
       </p:sp>
@@ -6518,8 +6541,8 @@
         </p:nvSpPr>
         <p:spPr>
           <a:xfrm>
-            <a:off x="3042252" y="1559064"/>
-            <a:ext cx="2895120" cy="581668"/>
+            <a:off x="3042252" y="1447800"/>
+            <a:ext cx="2895120" cy="650736"/>
           </a:xfrm>
           <a:prstGeom prst="rect">
             <a:avLst/>
@@ -6578,13 +6601,22 @@
               <a:t>Chapter </a:t>
             </a:r>
             <a:r>
+              <a:rPr lang="en-US" sz="1200" dirty="0">
+                <a:solidFill>
+                  <a:srgbClr val="000000"/>
+                </a:solidFill>
+                <a:latin typeface="Calibri"/>
+              </a:rPr>
+              <a:t>8</a:t>
+            </a:r>
+            <a:r>
               <a:rPr lang="en-US" sz="1200" dirty="0" smtClean="0">
                 <a:solidFill>
                   <a:srgbClr val="000000"/>
                 </a:solidFill>
                 <a:latin typeface="Calibri"/>
               </a:rPr>
-              <a:t>7:</a:t>
+              <a:t>:</a:t>
             </a:r>
             <a:endParaRPr dirty="0"/>
           </a:p>
@@ -6632,22 +6664,13 @@
               </a:lnSpc>
             </a:pPr>
             <a:r>
-              <a:rPr lang="en-US" sz="2400" dirty="0">
+              <a:rPr lang="en-US" sz="2400" dirty="0" smtClean="0">
                 <a:solidFill>
                   <a:srgbClr val="000000"/>
                 </a:solidFill>
                 <a:latin typeface="Calibri"/>
               </a:rPr>
-              <a:t>Focus: </a:t>
-            </a:r>
-            <a:r>
-              <a:rPr lang="en-US" sz="2400" dirty="0" smtClean="0">
-                <a:solidFill>
-                  <a:srgbClr val="000000"/>
-                </a:solidFill>
-                <a:latin typeface="Calibri"/>
-              </a:rPr>
-              <a:t>Rest</a:t>
+              <a:t>Optional: Midterm 1</a:t>
             </a:r>
             <a:endParaRPr dirty="0"/>
           </a:p>
@@ -6715,8 +6738,8 @@
         </p:nvSpPr>
         <p:spPr>
           <a:xfrm>
-            <a:off x="6072668" y="2298920"/>
-            <a:ext cx="2819160" cy="1112308"/>
+            <a:off x="6089223" y="2514600"/>
+            <a:ext cx="2819160" cy="930534"/>
           </a:xfrm>
           <a:prstGeom prst="rect">
             <a:avLst/>
@@ -6781,7 +6804,7 @@
                 </a:solidFill>
                 <a:latin typeface="Calibri"/>
               </a:rPr>
-              <a:t>14-15:</a:t>
+              <a:t>17:</a:t>
             </a:r>
             <a:endParaRPr lang="en-US" sz="1200" dirty="0" smtClean="0">
               <a:solidFill>
@@ -6807,6 +6830,33 @@
               </a:rPr>
               <a:t>Optimization library</a:t>
             </a:r>
+          </a:p>
+          <a:p>
+            <a:pPr marL="171450" indent="-171450">
+              <a:lnSpc>
+                <a:spcPct val="100000"/>
+              </a:lnSpc>
+              <a:buFont typeface="Arial" panose="020B0604020202020204" pitchFamily="34" charset="0"/>
+              <a:buChar char="•"/>
+            </a:pPr>
+            <a:r>
+              <a:rPr lang="en-US" sz="1200" dirty="0" smtClean="0">
+                <a:solidFill>
+                  <a:srgbClr val="000000"/>
+                </a:solidFill>
+                <a:latin typeface="Calibri"/>
+              </a:rPr>
+              <a:t>Minimize a </a:t>
+            </a:r>
+            <a:r>
+              <a:rPr lang="en-US" sz="1200" dirty="0" smtClean="0">
+                <a:solidFill>
+                  <a:srgbClr val="000000"/>
+                </a:solidFill>
+                <a:latin typeface="Calibri"/>
+              </a:rPr>
+              <a:t>function</a:t>
+            </a:r>
             <a:endParaRPr lang="en-US" sz="1200" dirty="0" smtClean="0">
               <a:solidFill>
                 <a:srgbClr val="000000"/>
@@ -6814,48 +6864,6 @@
               <a:latin typeface="Calibri"/>
             </a:endParaRPr>
           </a:p>
-          <a:p>
-            <a:pPr marL="171450" indent="-171450">
-              <a:lnSpc>
-                <a:spcPct val="100000"/>
-              </a:lnSpc>
-              <a:buFont typeface="Arial" panose="020B0604020202020204" pitchFamily="34" charset="0"/>
-              <a:buChar char="•"/>
-            </a:pPr>
-            <a:r>
-              <a:rPr lang="en-US" sz="1200" dirty="0" smtClean="0">
-                <a:solidFill>
-                  <a:srgbClr val="000000"/>
-                </a:solidFill>
-                <a:latin typeface="Calibri"/>
-              </a:rPr>
-              <a:t>Minimize a function</a:t>
-            </a:r>
-          </a:p>
-          <a:p>
-            <a:pPr marL="171450" indent="-171450">
-              <a:lnSpc>
-                <a:spcPct val="100000"/>
-              </a:lnSpc>
-              <a:buFont typeface="Arial" panose="020B0604020202020204" pitchFamily="34" charset="0"/>
-              <a:buChar char="•"/>
-            </a:pPr>
-            <a:r>
-              <a:rPr lang="en-US" sz="1200" dirty="0" smtClean="0">
-                <a:solidFill>
-                  <a:srgbClr val="000000"/>
-                </a:solidFill>
-                <a:latin typeface="Calibri"/>
-              </a:rPr>
-              <a:t>Constrained optimization</a:t>
-            </a:r>
-            <a:endParaRPr lang="en-US" sz="1200" dirty="0" smtClean="0">
-              <a:solidFill>
-                <a:srgbClr val="000000"/>
-              </a:solidFill>
-              <a:latin typeface="Calibri"/>
-            </a:endParaRPr>
-          </a:p>
         </p:txBody>
       </p:sp>
       <p:sp>
@@ -6866,8 +6874,8 @@
         </p:nvSpPr>
         <p:spPr>
           <a:xfrm>
-            <a:off x="6072668" y="1555910"/>
-            <a:ext cx="2819160" cy="650500"/>
+            <a:off x="6072668" y="1443854"/>
+            <a:ext cx="2819160" cy="1034890"/>
           </a:xfrm>
           <a:prstGeom prst="rect">
             <a:avLst/>
@@ -6927,7 +6935,7 @@
                 </a:solidFill>
                 <a:latin typeface="Calibri"/>
               </a:rPr>
-              <a:t>13: </a:t>
+              <a:t>16: </a:t>
             </a:r>
             <a:endParaRPr lang="en-US" sz="1200" dirty="0" smtClean="0">
               <a:solidFill>
@@ -6945,6 +6953,24 @@
               <a:buChar char="•"/>
             </a:pPr>
             <a:r>
+              <a:rPr lang="en-US" sz="1200" dirty="0" smtClean="0">
+                <a:solidFill>
+                  <a:srgbClr val="000000"/>
+                </a:solidFill>
+                <a:latin typeface="Calibri"/>
+              </a:rPr>
+              <a:t>Newton Algorithm</a:t>
+            </a:r>
+          </a:p>
+          <a:p>
+            <a:pPr marL="171450" indent="-171450">
+              <a:lnSpc>
+                <a:spcPct val="100000"/>
+              </a:lnSpc>
+              <a:buFont typeface="Arial" panose="020B0604020202020204" pitchFamily="34" charset="0"/>
+              <a:buChar char="•"/>
+            </a:pPr>
+            <a:r>
               <a:rPr lang="en-US" sz="1200" dirty="0" err="1" smtClean="0">
                 <a:solidFill>
                   <a:srgbClr val="000000"/>
@@ -6978,8 +7004,8 @@
         </p:nvSpPr>
         <p:spPr>
           <a:xfrm>
-            <a:off x="6095880" y="3556698"/>
-            <a:ext cx="2819160" cy="765548"/>
+            <a:off x="6089784" y="4447992"/>
+            <a:ext cx="2819160" cy="1066800"/>
           </a:xfrm>
           <a:prstGeom prst="rect">
             <a:avLst/>
@@ -7044,7 +7070,7 @@
                 </a:solidFill>
                 <a:latin typeface="Calibri"/>
               </a:rPr>
-              <a:t>16:</a:t>
+              <a:t>19-20:</a:t>
             </a:r>
             <a:endParaRPr lang="en-US" sz="1200" dirty="0" smtClean="0">
               <a:solidFill>
@@ -7068,7 +7094,61 @@
                 </a:solidFill>
                 <a:latin typeface="Calibri"/>
               </a:rPr>
-              <a:t>Overlapping Generations Model</a:t>
+              <a:t>Overlapping Generations </a:t>
+            </a:r>
+            <a:r>
+              <a:rPr lang="en-US" sz="1200" dirty="0" smtClean="0">
+                <a:solidFill>
+                  <a:srgbClr val="000000"/>
+                </a:solidFill>
+                <a:latin typeface="Calibri"/>
+              </a:rPr>
+              <a:t>Model</a:t>
+            </a:r>
+          </a:p>
+          <a:p>
+            <a:pPr marL="171450" indent="-171450">
+              <a:lnSpc>
+                <a:spcPct val="100000"/>
+              </a:lnSpc>
+              <a:buFont typeface="Arial" panose="020B0604020202020204" pitchFamily="34" charset="0"/>
+              <a:buChar char="•"/>
+            </a:pPr>
+            <a:r>
+              <a:rPr lang="en-US" sz="1200" dirty="0" smtClean="0">
+                <a:solidFill>
+                  <a:srgbClr val="000000"/>
+                </a:solidFill>
+                <a:latin typeface="Calibri"/>
+              </a:rPr>
+              <a:t>Gauss-</a:t>
+            </a:r>
+            <a:r>
+              <a:rPr lang="en-US" sz="1200" dirty="0" err="1" smtClean="0">
+                <a:solidFill>
+                  <a:srgbClr val="000000"/>
+                </a:solidFill>
+                <a:latin typeface="Calibri"/>
+              </a:rPr>
+              <a:t>Seidl</a:t>
+            </a:r>
+            <a:r>
+              <a:rPr lang="en-US" sz="1200" dirty="0" smtClean="0">
+                <a:solidFill>
+                  <a:srgbClr val="000000"/>
+                </a:solidFill>
+                <a:latin typeface="Calibri"/>
+              </a:rPr>
+              <a:t> Algorith</a:t>
+            </a:r>
+            <a:r>
+              <a:rPr lang="en-US" sz="1200" dirty="0">
+                <a:solidFill>
+                  <a:srgbClr val="000000"/>
+                </a:solidFill>
+                <a:latin typeface="Calibri"/>
+              </a:rPr>
+              <a:t>m</a:t>
             </a:r>
             <a:endParaRPr lang="en-US" sz="1200" dirty="0" smtClean="0">
               <a:solidFill>
@@ -7097,7 +7177,7 @@
         </p:nvSpPr>
         <p:spPr>
           <a:xfrm>
-            <a:off x="6089784" y="4439402"/>
+            <a:off x="6095880" y="5741022"/>
             <a:ext cx="2819160" cy="659778"/>
           </a:xfrm>
           <a:prstGeom prst="rect">
@@ -7137,7 +7217,16 @@
                 </a:solidFill>
                 <a:latin typeface="Calibri"/>
               </a:rPr>
-              <a:t>Economic Model II</a:t>
+              <a:t>Optional: Economic </a:t>
+            </a:r>
+            <a:r>
+              <a:rPr lang="en-US" dirty="0" smtClean="0">
+                <a:solidFill>
+                  <a:srgbClr val="000000"/>
+                </a:solidFill>
+                <a:latin typeface="Calibri"/>
+              </a:rPr>
+              <a:t>Model II</a:t>
             </a:r>
             <a:endParaRPr dirty="0"/>
           </a:p>
@@ -7148,49 +7237,13 @@
               </a:lnSpc>
             </a:pPr>
             <a:r>
-              <a:rPr lang="en-US" sz="1200" dirty="0">
+              <a:rPr lang="en-US" sz="1200" dirty="0" smtClean="0">
                 <a:solidFill>
                   <a:srgbClr val="000000"/>
                 </a:solidFill>
                 <a:latin typeface="Calibri"/>
               </a:rPr>
-              <a:t>Chapters </a:t>
-            </a:r>
-            <a:r>
-              <a:rPr lang="en-US" sz="1200" dirty="0" smtClean="0">
-                <a:solidFill>
-                  <a:srgbClr val="000000"/>
-                </a:solidFill>
-                <a:latin typeface="Calibri"/>
-              </a:rPr>
-              <a:t>17</a:t>
-            </a:r>
-            <a:r>
-              <a:rPr lang="en-US" sz="1200" dirty="0" smtClean="0">
-                <a:solidFill>
-                  <a:srgbClr val="000000"/>
-                </a:solidFill>
-                <a:latin typeface="Calibri"/>
-              </a:rPr>
-              <a:t>:</a:t>
-            </a:r>
-          </a:p>
-          <a:p>
-            <a:pPr marL="171450" indent="-171450">
-              <a:lnSpc>
-                <a:spcPct val="100000"/>
-              </a:lnSpc>
-              <a:buFont typeface="Arial" panose="020B0604020202020204" pitchFamily="34" charset="0"/>
-              <a:buChar char="•"/>
-            </a:pPr>
-            <a:r>
-              <a:rPr lang="en-US" sz="1200" dirty="0" smtClean="0">
-                <a:solidFill>
-                  <a:srgbClr val="000000"/>
-                </a:solidFill>
-                <a:latin typeface="Calibri"/>
-              </a:rPr>
-              <a:t>Growth model</a:t>
+              <a:t>Chapters 21:</a:t>
             </a:r>
             <a:endParaRPr lang="en-US" sz="1200" dirty="0" smtClean="0">
               <a:solidFill>
@@ -7200,6 +7253,24 @@
             </a:endParaRPr>
           </a:p>
           <a:p>
+            <a:pPr marL="171450" indent="-171450">
+              <a:lnSpc>
+                <a:spcPct val="100000"/>
+              </a:lnSpc>
+              <a:buFont typeface="Arial" panose="020B0604020202020204" pitchFamily="34" charset="0"/>
+              <a:buChar char="•"/>
+            </a:pPr>
+            <a:r>
+              <a:rPr lang="en-US" sz="1200" dirty="0" smtClean="0">
+                <a:solidFill>
+                  <a:srgbClr val="000000"/>
+                </a:solidFill>
+                <a:latin typeface="Calibri"/>
+              </a:rPr>
+              <a:t>Growth model</a:t>
+            </a:r>
+          </a:p>
+          <a:p>
             <a:pPr>
               <a:lnSpc>
                 <a:spcPct val="100000"/>
@@ -7217,8 +7288,8 @@
         </p:nvSpPr>
         <p:spPr>
           <a:xfrm>
-            <a:off x="3036384" y="4408319"/>
-            <a:ext cx="2895120" cy="890826"/>
+            <a:off x="3036384" y="4208928"/>
+            <a:ext cx="2895120" cy="1104321"/>
           </a:xfrm>
           <a:prstGeom prst="rect">
             <a:avLst/>
@@ -7272,24 +7343,15 @@
                   <a:srgbClr val="000000"/>
                 </a:solidFill>
               </a:rPr>
-              <a:t>Chapter 11:</a:t>
-            </a:r>
-          </a:p>
-          <a:p>
-            <a:pPr marL="171450" indent="-171450">
-              <a:lnSpc>
-                <a:spcPct val="100000"/>
-              </a:lnSpc>
-              <a:buFont typeface="Arial" panose="020B0604020202020204" pitchFamily="34" charset="0"/>
-              <a:buChar char="•"/>
-            </a:pPr>
+              <a:t>Chapter </a:t>
+            </a:r>
             <a:r>
               <a:rPr lang="en-US" sz="1200" dirty="0" smtClean="0">
                 <a:solidFill>
                   <a:srgbClr val="000000"/>
                 </a:solidFill>
               </a:rPr>
-              <a:t>Web crawling</a:t>
+              <a:t>12-14:</a:t>
             </a:r>
             <a:endParaRPr lang="en-US" sz="1200" dirty="0">
               <a:solidFill>
@@ -7306,20 +7368,12 @@
               <a:buChar char="•"/>
             </a:pPr>
             <a:r>
-              <a:rPr lang="en-US" sz="1200" dirty="0" err="1" smtClean="0">
-                <a:solidFill>
-                  <a:srgbClr val="000000"/>
-                </a:solidFill>
-              </a:rPr>
-              <a:t>BeautifulSoup</a:t>
-            </a:r>
-            <a:r>
               <a:rPr lang="en-US" sz="1200" dirty="0" smtClean="0">
                 <a:solidFill>
                   <a:srgbClr val="000000"/>
                 </a:solidFill>
               </a:rPr>
-              <a:t> library</a:t>
+              <a:t>Web crawling</a:t>
             </a:r>
             <a:endParaRPr lang="en-US" sz="1200" dirty="0">
               <a:solidFill>
@@ -7327,6 +7381,61 @@
               </a:solidFill>
             </a:endParaRPr>
           </a:p>
+          <a:p>
+            <a:pPr marL="171450" indent="-171450">
+              <a:lnSpc>
+                <a:spcPct val="100000"/>
+              </a:lnSpc>
+              <a:buFont typeface="Arial" panose="020B0604020202020204" pitchFamily="34" charset="0"/>
+              <a:buChar char="•"/>
+            </a:pPr>
+            <a:r>
+              <a:rPr lang="en-US" sz="1200" dirty="0" err="1" smtClean="0">
+                <a:solidFill>
+                  <a:srgbClr val="000000"/>
+                </a:solidFill>
+              </a:rPr>
+              <a:t>BeautifulSoup</a:t>
+            </a:r>
+            <a:r>
+              <a:rPr lang="en-US" sz="1200" dirty="0" smtClean="0">
+                <a:solidFill>
+                  <a:srgbClr val="000000"/>
+                </a:solidFill>
+              </a:rPr>
+              <a:t> </a:t>
+            </a:r>
+            <a:r>
+              <a:rPr lang="en-US" sz="1200" dirty="0" smtClean="0">
+                <a:solidFill>
+                  <a:srgbClr val="000000"/>
+                </a:solidFill>
+              </a:rPr>
+              <a:t>library</a:t>
+            </a:r>
+          </a:p>
+          <a:p>
+            <a:pPr marL="171450" indent="-171450">
+              <a:lnSpc>
+                <a:spcPct val="100000"/>
+              </a:lnSpc>
+              <a:buFont typeface="Arial" panose="020B0604020202020204" pitchFamily="34" charset="0"/>
+              <a:buChar char="•"/>
+            </a:pPr>
+            <a:r>
+              <a:rPr lang="en-US" sz="1200" dirty="0" smtClean="0">
+                <a:solidFill>
+                  <a:srgbClr val="000000"/>
+                </a:solidFill>
+              </a:rPr>
+              <a:t>Regular Expressions</a:t>
+            </a:r>
+            <a:endParaRPr lang="en-US" sz="1200" dirty="0">
+              <a:solidFill>
+                <a:srgbClr val="000000"/>
+              </a:solidFill>
+            </a:endParaRPr>
+          </a:p>
         </p:txBody>
       </p:sp>
       <p:sp>
@@ -7337,7 +7446,7 @@
         </p:nvSpPr>
         <p:spPr>
           <a:xfrm>
-            <a:off x="76200" y="5581068"/>
+            <a:off x="76200" y="5410740"/>
             <a:ext cx="2742840" cy="895932"/>
           </a:xfrm>
           <a:prstGeom prst="rect">
@@ -7392,7 +7501,15 @@
                   <a:srgbClr val="000000"/>
                 </a:solidFill>
               </a:rPr>
-              <a:t>Chapter 6:</a:t>
+              <a:t>Chapter </a:t>
+            </a:r>
+            <a:r>
+              <a:rPr lang="en-US" sz="1200" dirty="0" smtClean="0">
+                <a:solidFill>
+                  <a:srgbClr val="000000"/>
+                </a:solidFill>
+              </a:rPr>
+              <a:t>7:</a:t>
             </a:r>
             <a:endParaRPr lang="en-US" sz="1200" dirty="0" smtClean="0">
               <a:solidFill>
@@ -7438,12 +7555,6 @@
               </a:rPr>
               <a:t>Plot function</a:t>
             </a:r>
-            <a:endParaRPr lang="en-US" sz="1200" dirty="0" smtClean="0">
-              <a:solidFill>
-                <a:srgbClr val="000000"/>
-              </a:solidFill>
-              <a:latin typeface="Calibri"/>
-            </a:endParaRPr>
           </a:p>
           <a:p>
             <a:endParaRPr lang="en-US" dirty="0"/>
@@ -7458,7 +7569,7 @@
         </p:nvSpPr>
         <p:spPr>
           <a:xfrm>
-            <a:off x="3021730" y="5477086"/>
+            <a:off x="3042252" y="5351928"/>
             <a:ext cx="2895120" cy="890826"/>
           </a:xfrm>
           <a:prstGeom prst="rect">
@@ -7521,12 +7632,188 @@
                   <a:srgbClr val="000000"/>
                 </a:solidFill>
               </a:rPr>
-              <a:t>12:</a:t>
+              <a:t>15:</a:t>
+            </a:r>
+          </a:p>
+          <a:p>
+            <a:pPr marL="171450" indent="-171450">
+              <a:lnSpc>
+                <a:spcPct val="100000"/>
+              </a:lnSpc>
+              <a:buFont typeface="Arial" panose="020B0604020202020204" pitchFamily="34" charset="0"/>
+              <a:buChar char="•"/>
+            </a:pPr>
+            <a:r>
+              <a:rPr lang="en-US" sz="1200" dirty="0" smtClean="0">
+                <a:solidFill>
+                  <a:srgbClr val="000000"/>
+                </a:solidFill>
+              </a:rPr>
+              <a:t>Drawing randomly from distributions</a:t>
+            </a:r>
+          </a:p>
+          <a:p>
+            <a:pPr marL="171450" indent="-171450">
+              <a:lnSpc>
+                <a:spcPct val="100000"/>
+              </a:lnSpc>
+              <a:buFont typeface="Arial" panose="020B0604020202020204" pitchFamily="34" charset="0"/>
+              <a:buChar char="•"/>
+            </a:pPr>
+            <a:r>
+              <a:rPr lang="en-US" sz="1200" dirty="0" smtClean="0">
+                <a:solidFill>
+                  <a:srgbClr val="000000"/>
+                </a:solidFill>
+              </a:rPr>
+              <a:t>Simple games</a:t>
             </a:r>
             <a:endParaRPr lang="en-US" sz="1200" dirty="0">
               <a:solidFill>
                 <a:srgbClr val="000000"/>
               </a:solidFill>
+            </a:endParaRPr>
+          </a:p>
+        </p:txBody>
+      </p:sp>
+      <p:sp>
+        <p:nvSpPr>
+          <p:cNvPr id="20" name="CustomShape 16"/>
+          <p:cNvSpPr/>
+          <p:nvPr/>
+        </p:nvSpPr>
+        <p:spPr>
+          <a:xfrm>
+            <a:off x="6091517" y="3484213"/>
+            <a:ext cx="2819160" cy="930534"/>
+          </a:xfrm>
+          <a:prstGeom prst="rect">
+            <a:avLst/>
+          </a:prstGeom>
+          <a:gradFill>
+            <a:gsLst>
+              <a:gs pos="0">
+                <a:srgbClr val="D0D0D0"/>
+              </a:gs>
+              <a:gs pos="100000">
+                <a:srgbClr val="EDEDED"/>
+              </a:gs>
+            </a:gsLst>
+            <a:lin ang="16200000"/>
+          </a:gradFill>
+          <a:ln w="9360">
+            <a:solidFill>
+              <a:srgbClr val="000000"/>
+            </a:solidFill>
+            <a:round/>
+          </a:ln>
+        </p:spPr>
+        <p:txBody>
+          <a:bodyPr lIns="90000" tIns="45000" rIns="90000" bIns="45000"/>
+          <a:lstStyle/>
+          <a:p>
+            <a:pPr algn="ctr">
+              <a:lnSpc>
+                <a:spcPct val="100000"/>
+              </a:lnSpc>
+            </a:pPr>
+            <a:r>
+              <a:rPr lang="en-US" dirty="0" smtClean="0">
+                <a:solidFill>
+                  <a:srgbClr val="000000"/>
+                </a:solidFill>
+                <a:latin typeface="Calibri"/>
+              </a:rPr>
+              <a:t>Constrained Optimization</a:t>
+            </a:r>
+            <a:endParaRPr dirty="0"/>
+          </a:p>
+          <a:p>
+            <a:pPr>
+              <a:lnSpc>
+                <a:spcPct val="100000"/>
+              </a:lnSpc>
+            </a:pPr>
+            <a:r>
+              <a:rPr lang="en-US" sz="1200" dirty="0">
+                <a:solidFill>
+                  <a:srgbClr val="000000"/>
+                </a:solidFill>
+                <a:latin typeface="Calibri"/>
+              </a:rPr>
+              <a:t>Chapters </a:t>
+            </a:r>
+            <a:r>
+              <a:rPr lang="en-US" sz="1200" dirty="0" smtClean="0">
+                <a:solidFill>
+                  <a:srgbClr val="000000"/>
+                </a:solidFill>
+                <a:latin typeface="Calibri"/>
+              </a:rPr>
+              <a:t>18:</a:t>
+            </a:r>
+            <a:endParaRPr lang="en-US" sz="1200" dirty="0" smtClean="0">
+              <a:solidFill>
+                <a:srgbClr val="000000"/>
+              </a:solidFill>
+              <a:latin typeface="Calibri"/>
+            </a:endParaRPr>
+          </a:p>
+          <a:p>
+            <a:pPr marL="171450" indent="-171450">
+              <a:lnSpc>
+                <a:spcPct val="100000"/>
+              </a:lnSpc>
+              <a:buFont typeface="Arial" panose="020B0604020202020204" pitchFamily="34" charset="0"/>
+              <a:buChar char="•"/>
+            </a:pPr>
+            <a:r>
+              <a:rPr lang="en-US" sz="1200" dirty="0" smtClean="0">
+                <a:solidFill>
+                  <a:srgbClr val="000000"/>
+                </a:solidFill>
+                <a:latin typeface="Calibri"/>
+              </a:rPr>
+              <a:t>Optimization </a:t>
+            </a:r>
+            <a:r>
+              <a:rPr lang="en-US" sz="1200" dirty="0" smtClean="0">
+                <a:solidFill>
+                  <a:srgbClr val="000000"/>
+                </a:solidFill>
+                <a:latin typeface="Calibri"/>
+              </a:rPr>
+              <a:t>library II</a:t>
+            </a:r>
+            <a:endParaRPr lang="en-US" sz="1200" dirty="0" smtClean="0">
+              <a:solidFill>
+                <a:srgbClr val="000000"/>
+              </a:solidFill>
+              <a:latin typeface="Calibri"/>
+            </a:endParaRPr>
+          </a:p>
+          <a:p>
+            <a:pPr marL="171450" indent="-171450">
+              <a:lnSpc>
+                <a:spcPct val="100000"/>
+              </a:lnSpc>
+              <a:buFont typeface="Arial" panose="020B0604020202020204" pitchFamily="34" charset="0"/>
+              <a:buChar char="•"/>
+            </a:pPr>
+            <a:r>
+              <a:rPr lang="en-US" sz="1200" dirty="0" smtClean="0">
+                <a:solidFill>
+                  <a:srgbClr val="000000"/>
+                </a:solidFill>
+                <a:latin typeface="Calibri"/>
+              </a:rPr>
+              <a:t>Cake Eating Problem</a:t>
+            </a:r>
+            <a:endParaRPr lang="en-US" sz="1200" dirty="0" smtClean="0">
+              <a:solidFill>
+                <a:srgbClr val="000000"/>
+              </a:solidFill>
+              <a:latin typeface="Calibri"/>
             </a:endParaRPr>
           </a:p>
         </p:txBody>
@@ -7574,7 +7861,7 @@
         <a:sysClr val="windowText" lastClr="000000"/>
       </a:dk1>
       <a:lt1>
-        <a:sysClr val="window" lastClr="F0F0F0"/>
+        <a:sysClr val="window" lastClr="FFFFFF"/>
       </a:lt1>
       <a:dk2>
         <a:srgbClr val="1F497D"/>
